--- a/Week_2_Algorithm/Project_3.pptx
+++ b/Week_2_Algorithm/Project_3.pptx
@@ -6,6 +6,7 @@
   </p:sldMasterIdLst>
   <p:sldIdLst>
     <p:sldId id="256" r:id="rId2"/>
+    <p:sldId id="257" r:id="rId3"/>
   </p:sldIdLst>
   <p:sldSz cx="12192000" cy="6858000"/>
   <p:notesSz cx="6858000" cy="9144000"/>
@@ -3111,6 +3112,266 @@
 </p:sld>
 </file>
 
+<file path=ppt/slides/slide2.xml><?xml version="1.0" encoding="utf-8"?>
+<p:sld xmlns:a="http://schemas.openxmlformats.org/drawingml/2006/main" xmlns:r="http://schemas.openxmlformats.org/officeDocument/2006/relationships" xmlns:p="http://schemas.openxmlformats.org/presentationml/2006/main">
+  <p:cSld>
+    <p:spTree>
+      <p:nvGrpSpPr>
+        <p:cNvPr id="1" name=""/>
+        <p:cNvGrpSpPr/>
+        <p:nvPr/>
+      </p:nvGrpSpPr>
+      <p:grpSpPr>
+        <a:xfrm>
+          <a:off x="0" y="0"/>
+          <a:ext cx="0" cy="0"/>
+          <a:chOff x="0" y="0"/>
+          <a:chExt cx="0" cy="0"/>
+        </a:xfrm>
+      </p:grpSpPr>
+      <p:sp>
+        <p:nvSpPr>
+          <p:cNvPr id="2" name="TextBox 1"/>
+          <p:cNvSpPr txBox="1"/>
+          <p:nvPr/>
+        </p:nvSpPr>
+        <p:spPr>
+          <a:xfrm>
+            <a:off x="215900" y="279400"/>
+            <a:ext cx="2425700" cy="369332"/>
+          </a:xfrm>
+          <a:prstGeom prst="rect">
+            <a:avLst/>
+          </a:prstGeom>
+        </p:spPr>
+        <p:style>
+          <a:lnRef idx="2">
+            <a:schemeClr val="accent1"/>
+          </a:lnRef>
+          <a:fillRef idx="1">
+            <a:schemeClr val="lt1"/>
+          </a:fillRef>
+          <a:effectRef idx="0">
+            <a:schemeClr val="accent1"/>
+          </a:effectRef>
+          <a:fontRef idx="minor">
+            <a:schemeClr val="dk1"/>
+          </a:fontRef>
+        </p:style>
+        <p:txBody>
+          <a:bodyPr wrap="square" rtlCol="0">
+            <a:spAutoFit/>
+          </a:bodyPr>
+          <a:lstStyle/>
+          <a:p>
+            <a:r>
+              <a:rPr lang="en-GB" u="sng" dirty="0" smtClean="0"/>
+              <a:t>Pseudo code</a:t>
+            </a:r>
+            <a:endParaRPr lang="en-US" u="sng" dirty="0"/>
+          </a:p>
+        </p:txBody>
+      </p:sp>
+      <p:sp>
+        <p:nvSpPr>
+          <p:cNvPr id="4" name="TextBox 3"/>
+          <p:cNvSpPr txBox="1"/>
+          <p:nvPr/>
+        </p:nvSpPr>
+        <p:spPr>
+          <a:xfrm>
+            <a:off x="215900" y="671691"/>
+            <a:ext cx="10477500" cy="5909310"/>
+          </a:xfrm>
+          <a:prstGeom prst="rect">
+            <a:avLst/>
+          </a:prstGeom>
+          <a:noFill/>
+        </p:spPr>
+        <p:txBody>
+          <a:bodyPr wrap="square" rtlCol="0">
+            <a:spAutoFit/>
+          </a:bodyPr>
+          <a:lstStyle/>
+          <a:p>
+            <a:r>
+              <a:rPr lang="en-GB" dirty="0" smtClean="0"/>
+              <a:t>BEGIN</a:t>
+            </a:r>
+          </a:p>
+          <a:p>
+            <a:r>
+              <a:rPr lang="en-GB" dirty="0" smtClean="0"/>
+              <a:t>GET price list</a:t>
+            </a:r>
+          </a:p>
+          <a:p>
+            <a:r>
+              <a:rPr lang="en-GB" dirty="0" smtClean="0"/>
+              <a:t>Price list</a:t>
+            </a:r>
+          </a:p>
+          <a:p>
+            <a:r>
+              <a:rPr lang="en-GB" dirty="0" smtClean="0"/>
+              <a:t>INPUT location</a:t>
+            </a:r>
+          </a:p>
+          <a:p>
+            <a:r>
+              <a:rPr lang="en-GB" dirty="0" smtClean="0"/>
+              <a:t>CHECK price list for location</a:t>
+            </a:r>
+          </a:p>
+          <a:p>
+            <a:r>
+              <a:rPr lang="en-GB" dirty="0" smtClean="0"/>
+              <a:t>IF location is equal to PAU</a:t>
+            </a:r>
+          </a:p>
+          <a:p>
+            <a:r>
+              <a:rPr lang="en-GB" dirty="0"/>
+              <a:t>	</a:t>
+            </a:r>
+            <a:r>
+              <a:rPr lang="en-GB" dirty="0" smtClean="0"/>
+              <a:t>THEN INPUT Weight</a:t>
+            </a:r>
+          </a:p>
+          <a:p>
+            <a:r>
+              <a:rPr lang="en-GB" dirty="0"/>
+              <a:t>	</a:t>
+            </a:r>
+            <a:r>
+              <a:rPr lang="en-GB" dirty="0" smtClean="0"/>
+              <a:t>IF Weight  is above 10kg</a:t>
+            </a:r>
+          </a:p>
+          <a:p>
+            <a:r>
+              <a:rPr lang="en-GB" dirty="0"/>
+              <a:t>		</a:t>
+            </a:r>
+            <a:r>
+              <a:rPr lang="en-GB" dirty="0" smtClean="0"/>
+              <a:t>THEN PRINT “Total price #2000”</a:t>
+            </a:r>
+          </a:p>
+          <a:p>
+            <a:r>
+              <a:rPr lang="en-GB" dirty="0"/>
+              <a:t>	</a:t>
+            </a:r>
+            <a:r>
+              <a:rPr lang="en-GB" dirty="0" smtClean="0"/>
+              <a:t>ELSE PRINT “Total price is #1500” </a:t>
+            </a:r>
+          </a:p>
+          <a:p>
+            <a:r>
+              <a:rPr lang="en-GB" dirty="0"/>
+              <a:t>	</a:t>
+            </a:r>
+            <a:r>
+              <a:rPr lang="en-GB" dirty="0" smtClean="0"/>
+              <a:t>ENDIF</a:t>
+            </a:r>
+          </a:p>
+          <a:p>
+            <a:r>
+              <a:rPr lang="en-GB" dirty="0" smtClean="0"/>
+              <a:t>ELSE </a:t>
+            </a:r>
+            <a:r>
+              <a:rPr lang="en-GB" dirty="0" smtClean="0"/>
+              <a:t>IF location is equal to EPE</a:t>
+            </a:r>
+          </a:p>
+          <a:p>
+            <a:r>
+              <a:rPr lang="en-GB" dirty="0" smtClean="0"/>
+              <a:t>	THEN INPUT Weight</a:t>
+            </a:r>
+          </a:p>
+          <a:p>
+            <a:r>
+              <a:rPr lang="en-GB" dirty="0" smtClean="0"/>
+              <a:t>	IF Weight  is above 10kg</a:t>
+            </a:r>
+          </a:p>
+          <a:p>
+            <a:r>
+              <a:rPr lang="en-GB" dirty="0" smtClean="0"/>
+              <a:t>		THEN PRINT “Total price #5000”</a:t>
+            </a:r>
+          </a:p>
+          <a:p>
+            <a:r>
+              <a:rPr lang="en-GB" dirty="0" smtClean="0"/>
+              <a:t>	ELSE PRINT “Total price is #4000” </a:t>
+            </a:r>
+          </a:p>
+          <a:p>
+            <a:r>
+              <a:rPr lang="en-GB" dirty="0" smtClean="0"/>
+              <a:t>	ENDIF</a:t>
+            </a:r>
+          </a:p>
+          <a:p>
+            <a:r>
+              <a:rPr lang="en-GB" dirty="0"/>
+              <a:t> </a:t>
+            </a:r>
+            <a:r>
+              <a:rPr lang="en-GB" dirty="0" smtClean="0"/>
+              <a:t>          ELSE PRINT “PRINT Location is not available”</a:t>
+            </a:r>
+          </a:p>
+          <a:p>
+            <a:r>
+              <a:rPr lang="en-GB" dirty="0"/>
+              <a:t> </a:t>
+            </a:r>
+            <a:r>
+              <a:rPr lang="en-GB" dirty="0" smtClean="0"/>
+              <a:t>          </a:t>
+            </a:r>
+            <a:r>
+              <a:rPr lang="en-GB" dirty="0" smtClean="0"/>
+              <a:t>ENDIF</a:t>
+            </a:r>
+          </a:p>
+          <a:p>
+            <a:r>
+              <a:rPr lang="en-GB" dirty="0" smtClean="0"/>
+              <a:t>ENDIF</a:t>
+            </a:r>
+            <a:br>
+              <a:rPr lang="en-GB" dirty="0" smtClean="0"/>
+            </a:br>
+            <a:r>
+              <a:rPr lang="en-GB" dirty="0" smtClean="0"/>
+              <a:t>END</a:t>
+            </a:r>
+            <a:endParaRPr lang="en-US" dirty="0"/>
+          </a:p>
+        </p:txBody>
+      </p:sp>
+    </p:spTree>
+    <p:extLst>
+      <p:ext uri="{BB962C8B-B14F-4D97-AF65-F5344CB8AC3E}">
+        <p14:creationId xmlns:p14="http://schemas.microsoft.com/office/powerpoint/2010/main" val="3359213616"/>
+      </p:ext>
+    </p:extLst>
+  </p:cSld>
+  <p:clrMapOvr>
+    <a:masterClrMapping/>
+  </p:clrMapOvr>
+</p:sld>
+</file>
+
 <file path=ppt/theme/theme1.xml><?xml version="1.0" encoding="utf-8"?>
 <a:theme xmlns:a="http://schemas.openxmlformats.org/drawingml/2006/main" name="Office Theme">
   <a:themeElements>
